--- a/test/pptx/images_templated.pptx
+++ b/test/pptx/images_templated.pptx
@@ -5870,7 +5870,7 @@
       </p:grpSpPr>
       <p:sp>
         <p:nvSpPr>
-          <p:cNvPr id="2" name="Title 1"/>
+          <p:cNvPr id="8" name="Title 1"/>
           <p:cNvSpPr>
             <a:spLocks noGrp="1"/>
           </p:cNvSpPr>

--- a/test/pptx/images_templated.pptx
+++ b/test/pptx/images_templated.pptx
@@ -1,6 +1,6 @@
 
 <file path=ppt/presentation.xml><?xml version="1.0" encoding="utf-8"?>
-<p:presentation xmlns:a="http://schemas.openxmlformats.org/drawingml/2006/main" xmlns:r="http://schemas.openxmlformats.org/officeDocument/2006/relationships" xmlns:p="http://schemas.openxmlformats.org/presentationml/2006/main" autoCompressPictures="0">
+<p:presentation xmlns:a="http://schemas.openxmlformats.org/drawingml/2006/main" xmlns:p="http://schemas.openxmlformats.org/presentationml/2006/main" xmlns:r="http://schemas.openxmlformats.org/officeDocument/2006/relationships" autoCompressPictures="0">
   <p:sldMasterIdLst>
     <p:sldMasterId id="2147483648" r:id="rId1"/>
   </p:sldMasterIdLst>
@@ -15,8 +15,8 @@
     <a:defPPr>
       <a:defRPr lang="en-US"/>
     </a:defPPr>
-    <a:lvl1pPr marL="0" algn="l" defTabSz="457200" rtl="0" eaLnBrk="1" latinLnBrk="0" hangingPunct="1">
-      <a:defRPr sz="1800" kern="1200">
+    <a:lvl1pPr algn="l" defTabSz="457200" eaLnBrk="1" hangingPunct="1" latinLnBrk="0" marL="0" rtl="0">
+      <a:defRPr kern="1200" sz="1800">
         <a:solidFill>
           <a:schemeClr val="tx1"/>
         </a:solidFill>
@@ -25,8 +25,8 @@
         <a:cs typeface="+mn-cs"/>
       </a:defRPr>
     </a:lvl1pPr>
-    <a:lvl2pPr marL="457200" algn="l" defTabSz="457200" rtl="0" eaLnBrk="1" latinLnBrk="0" hangingPunct="1">
-      <a:defRPr sz="1800" kern="1200">
+    <a:lvl2pPr algn="l" defTabSz="457200" eaLnBrk="1" hangingPunct="1" latinLnBrk="0" marL="457200" rtl="0">
+      <a:defRPr kern="1200" sz="1800">
         <a:solidFill>
           <a:schemeClr val="tx1"/>
         </a:solidFill>
@@ -35,8 +35,8 @@
         <a:cs typeface="+mn-cs"/>
       </a:defRPr>
     </a:lvl2pPr>
-    <a:lvl3pPr marL="914400" algn="l" defTabSz="457200" rtl="0" eaLnBrk="1" latinLnBrk="0" hangingPunct="1">
-      <a:defRPr sz="1800" kern="1200">
+    <a:lvl3pPr algn="l" defTabSz="457200" eaLnBrk="1" hangingPunct="1" latinLnBrk="0" marL="914400" rtl="0">
+      <a:defRPr kern="1200" sz="1800">
         <a:solidFill>
           <a:schemeClr val="tx1"/>
         </a:solidFill>
@@ -45,8 +45,8 @@
         <a:cs typeface="+mn-cs"/>
       </a:defRPr>
     </a:lvl3pPr>
-    <a:lvl4pPr marL="1371600" algn="l" defTabSz="457200" rtl="0" eaLnBrk="1" latinLnBrk="0" hangingPunct="1">
-      <a:defRPr sz="1800" kern="1200">
+    <a:lvl4pPr algn="l" defTabSz="457200" eaLnBrk="1" hangingPunct="1" latinLnBrk="0" marL="1371600" rtl="0">
+      <a:defRPr kern="1200" sz="1800">
         <a:solidFill>
           <a:schemeClr val="tx1"/>
         </a:solidFill>
@@ -55,8 +55,8 @@
         <a:cs typeface="+mn-cs"/>
       </a:defRPr>
     </a:lvl4pPr>
-    <a:lvl5pPr marL="1828800" algn="l" defTabSz="457200" rtl="0" eaLnBrk="1" latinLnBrk="0" hangingPunct="1">
-      <a:defRPr sz="1800" kern="1200">
+    <a:lvl5pPr algn="l" defTabSz="457200" eaLnBrk="1" hangingPunct="1" latinLnBrk="0" marL="1828800" rtl="0">
+      <a:defRPr kern="1200" sz="1800">
         <a:solidFill>
           <a:schemeClr val="tx1"/>
         </a:solidFill>
@@ -65,8 +65,8 @@
         <a:cs typeface="+mn-cs"/>
       </a:defRPr>
     </a:lvl5pPr>
-    <a:lvl6pPr marL="2286000" algn="l" defTabSz="457200" rtl="0" eaLnBrk="1" latinLnBrk="0" hangingPunct="1">
-      <a:defRPr sz="1800" kern="1200">
+    <a:lvl6pPr algn="l" defTabSz="457200" eaLnBrk="1" hangingPunct="1" latinLnBrk="0" marL="2286000" rtl="0">
+      <a:defRPr kern="1200" sz="1800">
         <a:solidFill>
           <a:schemeClr val="tx1"/>
         </a:solidFill>
@@ -75,8 +75,8 @@
         <a:cs typeface="+mn-cs"/>
       </a:defRPr>
     </a:lvl6pPr>
-    <a:lvl7pPr marL="2743200" algn="l" defTabSz="457200" rtl="0" eaLnBrk="1" latinLnBrk="0" hangingPunct="1">
-      <a:defRPr sz="1800" kern="1200">
+    <a:lvl7pPr algn="l" defTabSz="457200" eaLnBrk="1" hangingPunct="1" latinLnBrk="0" marL="2743200" rtl="0">
+      <a:defRPr kern="1200" sz="1800">
         <a:solidFill>
           <a:schemeClr val="tx1"/>
         </a:solidFill>
@@ -85,8 +85,8 @@
         <a:cs typeface="+mn-cs"/>
       </a:defRPr>
     </a:lvl7pPr>
-    <a:lvl8pPr marL="3200400" algn="l" defTabSz="457200" rtl="0" eaLnBrk="1" latinLnBrk="0" hangingPunct="1">
-      <a:defRPr sz="1800" kern="1200">
+    <a:lvl8pPr algn="l" defTabSz="457200" eaLnBrk="1" hangingPunct="1" latinLnBrk="0" marL="3200400" rtl="0">
+      <a:defRPr kern="1200" sz="1800">
         <a:solidFill>
           <a:schemeClr val="tx1"/>
         </a:solidFill>
@@ -95,8 +95,8 @@
         <a:cs typeface="+mn-cs"/>
       </a:defRPr>
     </a:lvl8pPr>
-    <a:lvl9pPr marL="3657600" algn="l" defTabSz="457200" rtl="0" eaLnBrk="1" latinLnBrk="0" hangingPunct="1">
-      <a:defRPr sz="1800" kern="1200">
+    <a:lvl9pPr algn="l" defTabSz="457200" eaLnBrk="1" hangingPunct="1" latinLnBrk="0" marL="3657600" rtl="0">
+      <a:defRPr kern="1200" sz="1800">
         <a:solidFill>
           <a:schemeClr val="tx1"/>
         </a:solidFill>

--- a/test/pptx/images_templated.pptx
+++ b/test/pptx/images_templated.pptx
@@ -5728,7 +5728,7 @@
       </p:grpSpPr>
       <p:pic>
         <p:nvPicPr>
-          <p:cNvPr descr="lalune.jpg" id="0" name="Picture 1"/>
+          <p:cNvPr descr="f9d88c3dbe18f6a7f5670e994a947d51216cdf0e.jpg" id="0" name="Picture 1"/>
           <p:cNvPicPr>
             <a:picLocks noGrp="1" noChangeAspect="1"/>
           </p:cNvPicPr>
@@ -5780,7 +5780,7 @@
       </p:grpSpPr>
       <p:pic>
         <p:nvPicPr>
-          <p:cNvPr descr="lalune.jpg" id="0" name="Picture 1"/>
+          <p:cNvPr descr="f9d88c3dbe18f6a7f5670e994a947d51216cdf0e.jpg" id="0" name="Picture 1"/>
           <p:cNvPicPr>
             <a:picLocks noGrp="1" noChangeAspect="1"/>
           </p:cNvPicPr>
@@ -5903,7 +5903,7 @@
       </p:sp>
       <p:pic>
         <p:nvPicPr>
-          <p:cNvPr descr="lalune.jpg" id="0" name="Picture 1"/>
+          <p:cNvPr descr="f9d88c3dbe18f6a7f5670e994a947d51216cdf0e.jpg" id="0" name="Picture 1"/>
           <p:cNvPicPr>
             <a:picLocks noGrp="1" noChangeAspect="1"/>
           </p:cNvPicPr>

--- a/test/pptx/images_templated.pptx
+++ b/test/pptx/images_templated.pptx
@@ -4989,7 +4989,7 @@
 </file>
 
 <file path=ppt/slideMasters/slideMaster1.xml><?xml version="1.0" encoding="utf-8"?>
-<p:sldMaster xmlns:a="http://schemas.openxmlformats.org/drawingml/2006/main" xmlns:r="http://schemas.openxmlformats.org/officeDocument/2006/relationships" xmlns:p="http://schemas.openxmlformats.org/presentationml/2006/main">
+<p:sldMaster xmlns:a="http://schemas.openxmlformats.org/drawingml/2006/main" xmlns:p="http://schemas.openxmlformats.org/presentationml/2006/main" xmlns:r="http://schemas.openxmlformats.org/officeDocument/2006/relationships">
   <p:cSld>
     <p:bg>
       <p:bgPr>
@@ -5039,7 +5039,7 @@
           </a:prstGeom>
         </p:spPr>
         <p:txBody>
-          <a:bodyPr vert="horz" lIns="91440" tIns="45720" rIns="91440" bIns="45720" rtlCol="0" anchor="ctr">
+          <a:bodyPr anchor="ctr" bIns="45720" lIns="91440" rIns="91440" rtlCol="0" tIns="45720" vert="horz">
             <a:normAutofit/>
           </a:bodyPr>
           <a:lstStyle/>
@@ -5048,7 +5048,7 @@
               <a:rPr lang="en-US" smtClean="0"/>
               <a:t>Click to edit Master title style</a:t>
             </a:r>
-            <a:endParaRPr lang="en-US" dirty="0"/>
+            <a:endParaRPr dirty="0" lang="en-US"/>
           </a:p>
         </p:txBody>
       </p:sp>
@@ -5059,7 +5059,7 @@
             <a:spLocks noGrp="1"/>
           </p:cNvSpPr>
           <p:nvPr>
-            <p:ph type="body" idx="1"/>
+            <p:ph idx="1" type="body"/>
           </p:nvPr>
         </p:nvSpPr>
         <p:spPr>
@@ -5072,7 +5072,7 @@
           </a:prstGeom>
         </p:spPr>
         <p:txBody>
-          <a:bodyPr vert="horz" lIns="91440" tIns="45720" rIns="91440" bIns="45720" rtlCol="0">
+          <a:bodyPr bIns="45720" lIns="91440" rIns="91440" rtlCol="0" tIns="45720" vert="horz">
             <a:normAutofit/>
           </a:bodyPr>
           <a:lstStyle/>
@@ -5110,7 +5110,7 @@
               <a:rPr lang="en-US" smtClean="0"/>
               <a:t>Fifth level</a:t>
             </a:r>
-            <a:endParaRPr lang="en-US" dirty="0"/>
+            <a:endParaRPr dirty="0" lang="en-US"/>
           </a:p>
         </p:txBody>
       </p:sp>
@@ -5121,7 +5121,7 @@
             <a:spLocks noGrp="1"/>
           </p:cNvSpPr>
           <p:nvPr>
-            <p:ph type="dt" sz="half" idx="2"/>
+            <p:ph idx="2" sz="half" type="dt"/>
           </p:nvPr>
         </p:nvSpPr>
         <p:spPr>
@@ -5134,7 +5134,7 @@
           </a:prstGeom>
         </p:spPr>
         <p:txBody>
-          <a:bodyPr vert="horz" lIns="91440" tIns="45720" rIns="91440" bIns="45720" rtlCol="0" anchor="ctr"/>
+          <a:bodyPr anchor="ctr" bIns="45720" lIns="91440" rIns="91440" rtlCol="0" tIns="45720" vert="horz"/>
           <a:lstStyle>
             <a:lvl1pPr algn="l">
               <a:defRPr sz="1200">
@@ -5166,10 +5166,10 @@
           </a:lstStyle>
           <a:p>
             <a:fld id="{51CF1133-3259-4C45-BABA-5B62D9C6F78D}" type="datetimeFigureOut">
-              <a:rPr lang="en-US" dirty="0"/>
+              <a:rPr dirty="0" lang="en-US"/>
               <a:t>2/19/2018</a:t>
             </a:fld>
-            <a:endParaRPr lang="en-US" dirty="0"/>
+            <a:endParaRPr dirty="0" lang="en-US"/>
           </a:p>
         </p:txBody>
       </p:sp>
@@ -5180,7 +5180,7 @@
             <a:spLocks noGrp="1"/>
           </p:cNvSpPr>
           <p:nvPr>
-            <p:ph type="ftr" sz="quarter" idx="3"/>
+            <p:ph idx="3" sz="quarter" type="ftr"/>
           </p:nvPr>
         </p:nvSpPr>
         <p:spPr>
@@ -5193,7 +5193,7 @@
           </a:prstGeom>
         </p:spPr>
         <p:txBody>
-          <a:bodyPr vert="horz" lIns="91440" tIns="45720" rIns="91440" bIns="45720" rtlCol="0" anchor="ctr"/>
+          <a:bodyPr anchor="ctr" bIns="45720" lIns="91440" rIns="91440" rtlCol="0" tIns="45720" vert="horz"/>
           <a:lstStyle>
             <a:lvl1pPr algn="ctr">
               <a:defRPr sz="1200">
@@ -5224,7 +5224,7 @@
             </a:lvl1pPr>
           </a:lstStyle>
           <a:p>
-            <a:endParaRPr lang="en-US" dirty="0"/>
+            <a:endParaRPr dirty="0" lang="en-US"/>
           </a:p>
         </p:txBody>
       </p:sp>
@@ -5235,7 +5235,7 @@
             <a:spLocks noGrp="1"/>
           </p:cNvSpPr>
           <p:nvPr>
-            <p:ph type="sldNum" sz="quarter" idx="4"/>
+            <p:ph idx="4" sz="quarter" type="sldNum"/>
           </p:nvPr>
         </p:nvSpPr>
         <p:spPr>
@@ -5248,7 +5248,7 @@
           </a:prstGeom>
         </p:spPr>
         <p:txBody>
-          <a:bodyPr vert="horz" lIns="91440" tIns="45720" rIns="91440" bIns="45720" rtlCol="0" anchor="ctr"/>
+          <a:bodyPr anchor="ctr" bIns="45720" lIns="91440" rIns="91440" rtlCol="0" tIns="45720" vert="horz"/>
           <a:lstStyle>
             <a:lvl1pPr algn="r">
               <a:defRPr sz="1200">
@@ -5280,17 +5280,17 @@
           </a:lstStyle>
           <a:p>
             <a:fld id="{6D22F896-40B5-4ADD-8801-0D06FADFA095}" type="slidenum">
-              <a:rPr lang="en-US" dirty="0"/>
+              <a:rPr dirty="0" lang="en-US"/>
               <a:pPr/>
               <a:t>‹#›</a:t>
             </a:fld>
-            <a:endParaRPr lang="en-US" dirty="0"/>
+            <a:endParaRPr dirty="0" lang="en-US"/>
           </a:p>
         </p:txBody>
       </p:sp>
     </p:spTree>
   </p:cSld>
-  <p:clrMap bg1="dk1" tx1="lt1" bg2="dk2" tx2="lt2" accent1="accent1" accent2="accent2" accent3="accent3" accent4="accent4" accent5="accent5" accent6="accent6" hlink="hlink" folHlink="folHlink"/>
+  <p:clrMap accent1="accent1" accent2="accent2" accent3="accent3" accent4="accent4" accent5="accent5" accent6="accent6" bg1="dk1" bg2="dk2" folHlink="folHlink" hlink="hlink" tx1="lt1" tx2="lt2"/>
   <p:sldLayoutIdLst>
     <p:sldLayoutId id="2147483649" r:id="rId1"/>
     <p:sldLayoutId id="2147483650" r:id="rId2"/>
@@ -5310,10 +5310,10 @@
     <p:sldLayoutId id="2147483658" r:id="rId16"/>
     <p:sldLayoutId id="2147483659" r:id="rId17"/>
   </p:sldLayoutIdLst>
-  <p:hf sldNum="0" hdr="0" ftr="0" dt="0"/>
+  <p:hf dt="0" ftr="0" hdr="0" sldNum="0"/>
   <p:txStyles>
     <p:titleStyle>
-      <a:lvl1pPr algn="l" defTabSz="914400" rtl="0" eaLnBrk="1" latinLnBrk="0" hangingPunct="1">
+      <a:lvl1pPr algn="l" defTabSz="914400" eaLnBrk="1" hangingPunct="1" latinLnBrk="0" rtl="0">
         <a:lnSpc>
           <a:spcPct val="90000"/>
         </a:lnSpc>
@@ -5321,7 +5321,7 @@
           <a:spcPct val="0"/>
         </a:spcBef>
         <a:buNone/>
-        <a:defRPr sz="5400" b="0" kern="1200">
+        <a:defRPr b="0" kern="1200" sz="5400">
           <a:gradFill flip="none" rotWithShape="1">
             <a:gsLst>
               <a:gs pos="28000">
@@ -5352,16 +5352,16 @@
       </a:lvl1pPr>
     </p:titleStyle>
     <p:bodyStyle>
-      <a:lvl1pPr marL="228600" indent="-228600" algn="l" defTabSz="914400" rtl="0" eaLnBrk="1" latinLnBrk="0" hangingPunct="1">
+      <a:lvl1pPr algn="l" defTabSz="914400" eaLnBrk="1" hangingPunct="1" indent="-228600" latinLnBrk="0" marL="228600" rtl="0">
         <a:lnSpc>
           <a:spcPct val="90000"/>
         </a:lnSpc>
         <a:spcBef>
           <a:spcPts val="1000"/>
         </a:spcBef>
-        <a:buFont typeface="Arial" panose="020B0604020202020204" pitchFamily="34" charset="0"/>
+        <a:buFont charset="0" panose="020B0604020202020204" pitchFamily="34" typeface="Arial"/>
         <a:buChar char="•"/>
-        <a:defRPr sz="2800" kern="1200">
+        <a:defRPr kern="1200" sz="2800">
           <a:gradFill>
             <a:gsLst>
               <a:gs pos="34000">
@@ -5389,16 +5389,16 @@
           <a:cs typeface="+mn-cs"/>
         </a:defRPr>
       </a:lvl1pPr>
-      <a:lvl2pPr marL="685800" indent="-228600" algn="l" defTabSz="914400" rtl="0" eaLnBrk="1" latinLnBrk="0" hangingPunct="1">
+      <a:lvl2pPr algn="l" defTabSz="914400" eaLnBrk="1" hangingPunct="1" indent="-228600" latinLnBrk="0" marL="685800" rtl="0">
         <a:lnSpc>
           <a:spcPct val="90000"/>
         </a:lnSpc>
         <a:spcBef>
           <a:spcPts val="500"/>
         </a:spcBef>
-        <a:buFont typeface="Arial" panose="020B0604020202020204" pitchFamily="34" charset="0"/>
+        <a:buFont charset="0" panose="020B0604020202020204" pitchFamily="34" typeface="Arial"/>
         <a:buChar char="•"/>
-        <a:defRPr sz="2400" kern="1200">
+        <a:defRPr kern="1200" sz="2400">
           <a:gradFill>
             <a:gsLst>
               <a:gs pos="34000">
@@ -5426,16 +5426,16 @@
           <a:cs typeface="+mn-cs"/>
         </a:defRPr>
       </a:lvl2pPr>
-      <a:lvl3pPr marL="1143000" indent="-228600" algn="l" defTabSz="914400" rtl="0" eaLnBrk="1" latinLnBrk="0" hangingPunct="1">
+      <a:lvl3pPr algn="l" defTabSz="914400" eaLnBrk="1" hangingPunct="1" indent="-228600" latinLnBrk="0" marL="1143000" rtl="0">
         <a:lnSpc>
           <a:spcPct val="90000"/>
         </a:lnSpc>
         <a:spcBef>
           <a:spcPts val="500"/>
         </a:spcBef>
-        <a:buFont typeface="Arial" panose="020B0604020202020204" pitchFamily="34" charset="0"/>
+        <a:buFont charset="0" panose="020B0604020202020204" pitchFamily="34" typeface="Arial"/>
         <a:buChar char="•"/>
-        <a:defRPr sz="2000" kern="1200">
+        <a:defRPr kern="1200" sz="2000">
           <a:gradFill>
             <a:gsLst>
               <a:gs pos="34000">
@@ -5463,16 +5463,16 @@
           <a:cs typeface="+mn-cs"/>
         </a:defRPr>
       </a:lvl3pPr>
-      <a:lvl4pPr marL="1600200" indent="-228600" algn="l" defTabSz="914400" rtl="0" eaLnBrk="1" latinLnBrk="0" hangingPunct="1">
+      <a:lvl4pPr algn="l" defTabSz="914400" eaLnBrk="1" hangingPunct="1" indent="-228600" latinLnBrk="0" marL="1600200" rtl="0">
         <a:lnSpc>
           <a:spcPct val="90000"/>
         </a:lnSpc>
         <a:spcBef>
           <a:spcPts val="500"/>
         </a:spcBef>
-        <a:buFont typeface="Arial" panose="020B0604020202020204" pitchFamily="34" charset="0"/>
+        <a:buFont charset="0" panose="020B0604020202020204" pitchFamily="34" typeface="Arial"/>
         <a:buChar char="•"/>
-        <a:defRPr sz="1800" kern="1200">
+        <a:defRPr kern="1200" sz="1800">
           <a:gradFill>
             <a:gsLst>
               <a:gs pos="34000">
@@ -5500,16 +5500,16 @@
           <a:cs typeface="+mn-cs"/>
         </a:defRPr>
       </a:lvl4pPr>
-      <a:lvl5pPr marL="2057400" indent="-228600" algn="l" defTabSz="914400" rtl="0" eaLnBrk="1" latinLnBrk="0" hangingPunct="1">
+      <a:lvl5pPr algn="l" defTabSz="914400" eaLnBrk="1" hangingPunct="1" indent="-228600" latinLnBrk="0" marL="2057400" rtl="0">
         <a:lnSpc>
           <a:spcPct val="90000"/>
         </a:lnSpc>
         <a:spcBef>
           <a:spcPts val="500"/>
         </a:spcBef>
-        <a:buFont typeface="Arial" panose="020B0604020202020204" pitchFamily="34" charset="0"/>
+        <a:buFont charset="0" panose="020B0604020202020204" pitchFamily="34" typeface="Arial"/>
         <a:buChar char="•"/>
-        <a:defRPr sz="1800" kern="1200">
+        <a:defRPr kern="1200" sz="1800">
           <a:gradFill>
             <a:gsLst>
               <a:gs pos="34000">
@@ -5537,16 +5537,16 @@
           <a:cs typeface="+mn-cs"/>
         </a:defRPr>
       </a:lvl5pPr>
-      <a:lvl6pPr marL="2514600" indent="-228600" algn="l" defTabSz="914400" rtl="0" eaLnBrk="1" latinLnBrk="0" hangingPunct="1">
+      <a:lvl6pPr algn="l" defTabSz="914400" eaLnBrk="1" hangingPunct="1" indent="-228600" latinLnBrk="0" marL="2514600" rtl="0">
         <a:lnSpc>
           <a:spcPct val="90000"/>
         </a:lnSpc>
         <a:spcBef>
           <a:spcPts val="500"/>
         </a:spcBef>
-        <a:buFont typeface="Arial" panose="020B0604020202020204" pitchFamily="34" charset="0"/>
+        <a:buFont charset="0" panose="020B0604020202020204" pitchFamily="34" typeface="Arial"/>
         <a:buChar char="•"/>
-        <a:defRPr sz="1800" kern="1200">
+        <a:defRPr kern="1200" sz="1800">
           <a:solidFill>
             <a:schemeClr val="tx1"/>
           </a:solidFill>
@@ -5555,16 +5555,16 @@
           <a:cs typeface="+mn-cs"/>
         </a:defRPr>
       </a:lvl6pPr>
-      <a:lvl7pPr marL="2971800" indent="-228600" algn="l" defTabSz="914400" rtl="0" eaLnBrk="1" latinLnBrk="0" hangingPunct="1">
+      <a:lvl7pPr algn="l" defTabSz="914400" eaLnBrk="1" hangingPunct="1" indent="-228600" latinLnBrk="0" marL="2971800" rtl="0">
         <a:lnSpc>
           <a:spcPct val="90000"/>
         </a:lnSpc>
         <a:spcBef>
           <a:spcPts val="500"/>
         </a:spcBef>
-        <a:buFont typeface="Arial" panose="020B0604020202020204" pitchFamily="34" charset="0"/>
+        <a:buFont charset="0" panose="020B0604020202020204" pitchFamily="34" typeface="Arial"/>
         <a:buChar char="•"/>
-        <a:defRPr sz="1800" kern="1200">
+        <a:defRPr kern="1200" sz="1800">
           <a:solidFill>
             <a:schemeClr val="tx1"/>
           </a:solidFill>
@@ -5573,16 +5573,16 @@
           <a:cs typeface="+mn-cs"/>
         </a:defRPr>
       </a:lvl7pPr>
-      <a:lvl8pPr marL="3429000" indent="-228600" algn="l" defTabSz="914400" rtl="0" eaLnBrk="1" latinLnBrk="0" hangingPunct="1">
+      <a:lvl8pPr algn="l" defTabSz="914400" eaLnBrk="1" hangingPunct="1" indent="-228600" latinLnBrk="0" marL="3429000" rtl="0">
         <a:lnSpc>
           <a:spcPct val="90000"/>
         </a:lnSpc>
         <a:spcBef>
           <a:spcPts val="500"/>
         </a:spcBef>
-        <a:buFont typeface="Arial" panose="020B0604020202020204" pitchFamily="34" charset="0"/>
+        <a:buFont charset="0" panose="020B0604020202020204" pitchFamily="34" typeface="Arial"/>
         <a:buChar char="•"/>
-        <a:defRPr sz="1800" kern="1200">
+        <a:defRPr kern="1200" sz="1800">
           <a:solidFill>
             <a:schemeClr val="tx1"/>
           </a:solidFill>
@@ -5591,16 +5591,16 @@
           <a:cs typeface="+mn-cs"/>
         </a:defRPr>
       </a:lvl8pPr>
-      <a:lvl9pPr marL="3886200" indent="-228600" algn="l" defTabSz="914400" rtl="0" eaLnBrk="1" latinLnBrk="0" hangingPunct="1">
+      <a:lvl9pPr algn="l" defTabSz="914400" eaLnBrk="1" hangingPunct="1" indent="-228600" latinLnBrk="0" marL="3886200" rtl="0">
         <a:lnSpc>
           <a:spcPct val="90000"/>
         </a:lnSpc>
         <a:spcBef>
           <a:spcPts val="500"/>
         </a:spcBef>
-        <a:buFont typeface="Arial" panose="020B0604020202020204" pitchFamily="34" charset="0"/>
+        <a:buFont charset="0" panose="020B0604020202020204" pitchFamily="34" typeface="Arial"/>
         <a:buChar char="•"/>
-        <a:defRPr sz="1800" kern="1200">
+        <a:defRPr kern="1200" sz="1800">
           <a:solidFill>
             <a:schemeClr val="tx1"/>
           </a:solidFill>
@@ -5614,8 +5614,8 @@
       <a:defPPr>
         <a:defRPr lang="en-US"/>
       </a:defPPr>
-      <a:lvl1pPr marL="0" algn="l" defTabSz="914400" rtl="0" eaLnBrk="1" latinLnBrk="0" hangingPunct="1">
-        <a:defRPr sz="1800" kern="1200">
+      <a:lvl1pPr algn="l" defTabSz="914400" eaLnBrk="1" hangingPunct="1" latinLnBrk="0" marL="0" rtl="0">
+        <a:defRPr kern="1200" sz="1800">
           <a:solidFill>
             <a:schemeClr val="tx1"/>
           </a:solidFill>
@@ -5624,8 +5624,8 @@
           <a:cs typeface="+mn-cs"/>
         </a:defRPr>
       </a:lvl1pPr>
-      <a:lvl2pPr marL="457200" algn="l" defTabSz="914400" rtl="0" eaLnBrk="1" latinLnBrk="0" hangingPunct="1">
-        <a:defRPr sz="1800" kern="1200">
+      <a:lvl2pPr algn="l" defTabSz="914400" eaLnBrk="1" hangingPunct="1" latinLnBrk="0" marL="457200" rtl="0">
+        <a:defRPr kern="1200" sz="1800">
           <a:solidFill>
             <a:schemeClr val="tx1"/>
           </a:solidFill>
@@ -5634,8 +5634,8 @@
           <a:cs typeface="+mn-cs"/>
         </a:defRPr>
       </a:lvl2pPr>
-      <a:lvl3pPr marL="914400" algn="l" defTabSz="914400" rtl="0" eaLnBrk="1" latinLnBrk="0" hangingPunct="1">
-        <a:defRPr sz="1800" kern="1200">
+      <a:lvl3pPr algn="l" defTabSz="914400" eaLnBrk="1" hangingPunct="1" latinLnBrk="0" marL="914400" rtl="0">
+        <a:defRPr kern="1200" sz="1800">
           <a:solidFill>
             <a:schemeClr val="tx1"/>
           </a:solidFill>
@@ -5644,8 +5644,8 @@
           <a:cs typeface="+mn-cs"/>
         </a:defRPr>
       </a:lvl3pPr>
-      <a:lvl4pPr marL="1371600" algn="l" defTabSz="914400" rtl="0" eaLnBrk="1" latinLnBrk="0" hangingPunct="1">
-        <a:defRPr sz="1800" kern="1200">
+      <a:lvl4pPr algn="l" defTabSz="914400" eaLnBrk="1" hangingPunct="1" latinLnBrk="0" marL="1371600" rtl="0">
+        <a:defRPr kern="1200" sz="1800">
           <a:solidFill>
             <a:schemeClr val="tx1"/>
           </a:solidFill>
@@ -5654,8 +5654,8 @@
           <a:cs typeface="+mn-cs"/>
         </a:defRPr>
       </a:lvl4pPr>
-      <a:lvl5pPr marL="1828800" algn="l" defTabSz="914400" rtl="0" eaLnBrk="1" latinLnBrk="0" hangingPunct="1">
-        <a:defRPr sz="1800" kern="1200">
+      <a:lvl5pPr algn="l" defTabSz="914400" eaLnBrk="1" hangingPunct="1" latinLnBrk="0" marL="1828800" rtl="0">
+        <a:defRPr kern="1200" sz="1800">
           <a:solidFill>
             <a:schemeClr val="tx1"/>
           </a:solidFill>
@@ -5664,8 +5664,8 @@
           <a:cs typeface="+mn-cs"/>
         </a:defRPr>
       </a:lvl5pPr>
-      <a:lvl6pPr marL="2286000" algn="l" defTabSz="914400" rtl="0" eaLnBrk="1" latinLnBrk="0" hangingPunct="1">
-        <a:defRPr sz="1800" kern="1200">
+      <a:lvl6pPr algn="l" defTabSz="914400" eaLnBrk="1" hangingPunct="1" latinLnBrk="0" marL="2286000" rtl="0">
+        <a:defRPr kern="1200" sz="1800">
           <a:solidFill>
             <a:schemeClr val="tx1"/>
           </a:solidFill>
@@ -5674,8 +5674,8 @@
           <a:cs typeface="+mn-cs"/>
         </a:defRPr>
       </a:lvl6pPr>
-      <a:lvl7pPr marL="2743200" algn="l" defTabSz="914400" rtl="0" eaLnBrk="1" latinLnBrk="0" hangingPunct="1">
-        <a:defRPr sz="1800" kern="1200">
+      <a:lvl7pPr algn="l" defTabSz="914400" eaLnBrk="1" hangingPunct="1" latinLnBrk="0" marL="2743200" rtl="0">
+        <a:defRPr kern="1200" sz="1800">
           <a:solidFill>
             <a:schemeClr val="tx1"/>
           </a:solidFill>
@@ -5684,8 +5684,8 @@
           <a:cs typeface="+mn-cs"/>
         </a:defRPr>
       </a:lvl7pPr>
-      <a:lvl8pPr marL="3200400" algn="l" defTabSz="914400" rtl="0" eaLnBrk="1" latinLnBrk="0" hangingPunct="1">
-        <a:defRPr sz="1800" kern="1200">
+      <a:lvl8pPr algn="l" defTabSz="914400" eaLnBrk="1" hangingPunct="1" latinLnBrk="0" marL="3200400" rtl="0">
+        <a:defRPr kern="1200" sz="1800">
           <a:solidFill>
             <a:schemeClr val="tx1"/>
           </a:solidFill>
@@ -5694,8 +5694,8 @@
           <a:cs typeface="+mn-cs"/>
         </a:defRPr>
       </a:lvl8pPr>
-      <a:lvl9pPr marL="3657600" algn="l" defTabSz="914400" rtl="0" eaLnBrk="1" latinLnBrk="0" hangingPunct="1">
-        <a:defRPr sz="1800" kern="1200">
+      <a:lvl9pPr algn="l" defTabSz="914400" eaLnBrk="1" hangingPunct="1" latinLnBrk="0" marL="3657600" rtl="0">
+        <a:defRPr kern="1200" sz="1800">
           <a:solidFill>
             <a:schemeClr val="tx1"/>
           </a:solidFill>
@@ -5780,7 +5780,7 @@
       </p:grpSpPr>
       <p:pic>
         <p:nvPicPr>
-          <p:cNvPr descr="lalune.jpg" id="0" name="Picture 1"/>
+          <p:cNvPr descr="fig:  lalune.jpg" id="0" name="Picture 1"/>
           <p:cNvPicPr>
             <a:picLocks noGrp="1" noChangeAspect="1"/>
           </p:cNvPicPr>
@@ -5903,7 +5903,7 @@
       </p:sp>
       <p:pic>
         <p:nvPicPr>
-          <p:cNvPr descr="lalune.jpg" id="0" name="Picture 1"/>
+          <p:cNvPr descr="fig:  lalune.jpg" id="0" name="Picture 1"/>
           <p:cNvPicPr>
             <a:picLocks noGrp="1" noChangeAspect="1"/>
           </p:cNvPicPr>
